--- a/기술연구/enact웹앱개발/enact시리즈1-개발환경구성.pptx
+++ b/기술연구/enact웹앱개발/enact시리즈1-개발환경구성.pptx
@@ -267,7 +267,7 @@
           <a:p>
             <a:fld id="{26434D05-A942-448D-9297-A4E2213278E2}" type="datetimeFigureOut">
               <a:rPr lang="ko-KR" altLang="en-US" smtClean="0"/>
-              <a:t>2021-07-24</a:t>
+              <a:t>2021-08-04</a:t>
             </a:fld>
             <a:endParaRPr lang="ko-KR" altLang="en-US"/>
           </a:p>
@@ -465,7 +465,7 @@
           <a:p>
             <a:fld id="{26434D05-A942-448D-9297-A4E2213278E2}" type="datetimeFigureOut">
               <a:rPr lang="ko-KR" altLang="en-US" smtClean="0"/>
-              <a:t>2021-07-24</a:t>
+              <a:t>2021-08-04</a:t>
             </a:fld>
             <a:endParaRPr lang="ko-KR" altLang="en-US"/>
           </a:p>
@@ -673,7 +673,7 @@
           <a:p>
             <a:fld id="{26434D05-A942-448D-9297-A4E2213278E2}" type="datetimeFigureOut">
               <a:rPr lang="ko-KR" altLang="en-US" smtClean="0"/>
-              <a:t>2021-07-24</a:t>
+              <a:t>2021-08-04</a:t>
             </a:fld>
             <a:endParaRPr lang="ko-KR" altLang="en-US"/>
           </a:p>
@@ -871,7 +871,7 @@
           <a:p>
             <a:fld id="{26434D05-A942-448D-9297-A4E2213278E2}" type="datetimeFigureOut">
               <a:rPr lang="ko-KR" altLang="en-US" smtClean="0"/>
-              <a:t>2021-07-24</a:t>
+              <a:t>2021-08-04</a:t>
             </a:fld>
             <a:endParaRPr lang="ko-KR" altLang="en-US"/>
           </a:p>
@@ -1146,7 +1146,7 @@
           <a:p>
             <a:fld id="{26434D05-A942-448D-9297-A4E2213278E2}" type="datetimeFigureOut">
               <a:rPr lang="ko-KR" altLang="en-US" smtClean="0"/>
-              <a:t>2021-07-24</a:t>
+              <a:t>2021-08-04</a:t>
             </a:fld>
             <a:endParaRPr lang="ko-KR" altLang="en-US"/>
           </a:p>
@@ -1411,7 +1411,7 @@
           <a:p>
             <a:fld id="{26434D05-A942-448D-9297-A4E2213278E2}" type="datetimeFigureOut">
               <a:rPr lang="ko-KR" altLang="en-US" smtClean="0"/>
-              <a:t>2021-07-24</a:t>
+              <a:t>2021-08-04</a:t>
             </a:fld>
             <a:endParaRPr lang="ko-KR" altLang="en-US"/>
           </a:p>
@@ -1823,7 +1823,7 @@
           <a:p>
             <a:fld id="{26434D05-A942-448D-9297-A4E2213278E2}" type="datetimeFigureOut">
               <a:rPr lang="ko-KR" altLang="en-US" smtClean="0"/>
-              <a:t>2021-07-24</a:t>
+              <a:t>2021-08-04</a:t>
             </a:fld>
             <a:endParaRPr lang="ko-KR" altLang="en-US"/>
           </a:p>
@@ -1964,7 +1964,7 @@
           <a:p>
             <a:fld id="{26434D05-A942-448D-9297-A4E2213278E2}" type="datetimeFigureOut">
               <a:rPr lang="ko-KR" altLang="en-US" smtClean="0"/>
-              <a:t>2021-07-24</a:t>
+              <a:t>2021-08-04</a:t>
             </a:fld>
             <a:endParaRPr lang="ko-KR" altLang="en-US"/>
           </a:p>
@@ -2077,7 +2077,7 @@
           <a:p>
             <a:fld id="{26434D05-A942-448D-9297-A4E2213278E2}" type="datetimeFigureOut">
               <a:rPr lang="ko-KR" altLang="en-US" smtClean="0"/>
-              <a:t>2021-07-24</a:t>
+              <a:t>2021-08-04</a:t>
             </a:fld>
             <a:endParaRPr lang="ko-KR" altLang="en-US"/>
           </a:p>
@@ -2388,7 +2388,7 @@
           <a:p>
             <a:fld id="{26434D05-A942-448D-9297-A4E2213278E2}" type="datetimeFigureOut">
               <a:rPr lang="ko-KR" altLang="en-US" smtClean="0"/>
-              <a:t>2021-07-24</a:t>
+              <a:t>2021-08-04</a:t>
             </a:fld>
             <a:endParaRPr lang="ko-KR" altLang="en-US"/>
           </a:p>
@@ -2676,7 +2676,7 @@
           <a:p>
             <a:fld id="{26434D05-A942-448D-9297-A4E2213278E2}" type="datetimeFigureOut">
               <a:rPr lang="ko-KR" altLang="en-US" smtClean="0"/>
-              <a:t>2021-07-24</a:t>
+              <a:t>2021-08-04</a:t>
             </a:fld>
             <a:endParaRPr lang="ko-KR" altLang="en-US"/>
           </a:p>
@@ -2917,7 +2917,7 @@
           <a:p>
             <a:fld id="{26434D05-A942-448D-9297-A4E2213278E2}" type="datetimeFigureOut">
               <a:rPr lang="ko-KR" altLang="en-US" smtClean="0"/>
-              <a:t>2021-07-24</a:t>
+              <a:t>2021-08-04</a:t>
             </a:fld>
             <a:endParaRPr lang="ko-KR" altLang="en-US"/>
           </a:p>
@@ -4777,17 +4777,12 @@
               <a:rPr lang="en-US" altLang="ko-KR" dirty="0" err="1"/>
               <a:t>dist</a:t>
             </a:r>
-            <a:r>
-              <a:rPr lang="en-US" altLang="ko-KR" dirty="0"/>
-              <a:t> –o </a:t>
-            </a:r>
-            <a:r>
-              <a:rPr lang="en-US" altLang="ko-KR" dirty="0" err="1"/>
-              <a:t>ipk</a:t>
-            </a:r>
-            <a:endParaRPr lang="en-US" altLang="ko-KR" dirty="0"/>
-          </a:p>
-          <a:p>
+            <a:endParaRPr lang="en-US" altLang="ko-KR"/>
+          </a:p>
+          <a:p>
+            <a:pPr marL="0" indent="0">
+              <a:buNone/>
+            </a:pPr>
             <a:endParaRPr lang="en-US" altLang="ko-KR" dirty="0"/>
           </a:p>
           <a:p>
